--- a/Stock_Market_Analysis.pptx
+++ b/Stock_Market_Analysis.pptx
@@ -3086,6 +3086,22 @@
 <file path=ppt/slides/slide1.xml><?xml version="1.0" encoding="utf-8"?>
 <p:sld xmlns:a="http://schemas.openxmlformats.org/drawingml/2006/main" xmlns:p="http://schemas.openxmlformats.org/presentationml/2006/main" xmlns:r="http://schemas.openxmlformats.org/officeDocument/2006/relationships">
   <p:cSld>
+    <p:bg>
+      <p:bgPr>
+        <a:gradFill rotWithShape="1">
+          <a:gsLst>
+            <a:gs pos="0">
+              <a:srgbClr val="FFF2CC"/>
+            </a:gs>
+            <a:gs pos="100000">
+              <a:srgbClr val="CCE5FF"/>
+            </a:gs>
+          </a:gsLst>
+          <a:lin scaled="0"/>
+        </a:gradFill>
+        <a:effectLst/>
+      </p:bgPr>
+    </p:bg>
     <p:spTree>
       <p:nvGrpSpPr>
         <p:cNvPr id="1" name=""/>
@@ -3108,7 +3124,19 @@
           <a:bodyPr/>
           <a:lstStyle/>
           <a:p>
-            <a:r>
+            <a:pPr algn="l">
+              <a:defRPr b="1" sz="3600">
+                <a:solidFill>
+                  <a:srgbClr val="0066CC"/>
+                </a:solidFill>
+              </a:defRPr>
+            </a:pPr>
+            <a:r>
+              <a:rPr sz="1800">
+                <a:solidFill>
+                  <a:srgbClr val="323232"/>
+                </a:solidFill>
+              </a:rPr>
               <a:t>Stock Market Volatility Analysis</a:t>
             </a:r>
           </a:p>
@@ -3129,7 +3157,13 @@
           <a:bodyPr/>
           <a:lstStyle/>
           <a:p>
-            <a:r>
+            <a:pPr algn="l"/>
+            <a:r>
+              <a:rPr sz="1800">
+                <a:solidFill>
+                  <a:srgbClr val="323232"/>
+                </a:solidFill>
+              </a:rPr>
               <a:t>AAPL Intraday Data (5-Minute Interval)</a:t>
             </a:r>
           </a:p>
@@ -3146,6 +3180,22 @@
 <file path=ppt/slides/slide2.xml><?xml version="1.0" encoding="utf-8"?>
 <p:sld xmlns:a="http://schemas.openxmlformats.org/drawingml/2006/main" xmlns:p="http://schemas.openxmlformats.org/presentationml/2006/main" xmlns:r="http://schemas.openxmlformats.org/officeDocument/2006/relationships">
   <p:cSld>
+    <p:bg>
+      <p:bgPr>
+        <a:gradFill rotWithShape="1">
+          <a:gsLst>
+            <a:gs pos="0">
+              <a:srgbClr val="FFF2CC"/>
+            </a:gs>
+            <a:gs pos="100000">
+              <a:srgbClr val="CCE5FF"/>
+            </a:gs>
+          </a:gsLst>
+          <a:lin scaled="0"/>
+        </a:gradFill>
+        <a:effectLst/>
+      </p:bgPr>
+    </p:bg>
     <p:spTree>
       <p:nvGrpSpPr>
         <p:cNvPr id="1" name=""/>
@@ -3168,7 +3218,19 @@
           <a:bodyPr/>
           <a:lstStyle/>
           <a:p>
-            <a:r>
+            <a:pPr algn="l">
+              <a:defRPr b="1" sz="3600">
+                <a:solidFill>
+                  <a:srgbClr val="0066CC"/>
+                </a:solidFill>
+              </a:defRPr>
+            </a:pPr>
+            <a:r>
+              <a:rPr sz="1800">
+                <a:solidFill>
+                  <a:srgbClr val="323232"/>
+                </a:solidFill>
+              </a:rPr>
               <a:t>Data Cleaning</a:t>
             </a:r>
           </a:p>
@@ -3189,12 +3251,24 @@
           <a:bodyPr/>
           <a:lstStyle/>
           <a:p>
-            <a:r>
+            <a:pPr algn="l"/>
+            <a:r>
+              <a:rPr sz="1800">
+                <a:solidFill>
+                  <a:srgbClr val="323232"/>
+                </a:solidFill>
+              </a:rPr>
               <a:t>• Checked for missing values: None found.</a:t>
             </a:r>
           </a:p>
           <a:p>
-            <a:r>
+            <a:pPr algn="l"/>
+            <a:r>
+              <a:rPr sz="1800">
+                <a:solidFill>
+                  <a:srgbClr val="323232"/>
+                </a:solidFill>
+              </a:rPr>
               <a:t>• Verified data types: All correct (float64 for prices, int64 for volume).</a:t>
             </a:r>
           </a:p>
@@ -3211,6 +3285,22 @@
 <file path=ppt/slides/slide3.xml><?xml version="1.0" encoding="utf-8"?>
 <p:sld xmlns:a="http://schemas.openxmlformats.org/drawingml/2006/main" xmlns:p="http://schemas.openxmlformats.org/presentationml/2006/main" xmlns:r="http://schemas.openxmlformats.org/officeDocument/2006/relationships">
   <p:cSld>
+    <p:bg>
+      <p:bgPr>
+        <a:gradFill rotWithShape="1">
+          <a:gsLst>
+            <a:gs pos="0">
+              <a:srgbClr val="FFF2CC"/>
+            </a:gs>
+            <a:gs pos="100000">
+              <a:srgbClr val="CCE5FF"/>
+            </a:gs>
+          </a:gsLst>
+          <a:lin scaled="0"/>
+        </a:gradFill>
+        <a:effectLst/>
+      </p:bgPr>
+    </p:bg>
     <p:spTree>
       <p:nvGrpSpPr>
         <p:cNvPr id="1" name=""/>
@@ -3233,7 +3323,19 @@
           <a:bodyPr/>
           <a:lstStyle/>
           <a:p>
-            <a:r>
+            <a:pPr algn="l">
+              <a:defRPr b="1" sz="3600">
+                <a:solidFill>
+                  <a:srgbClr val="0066CC"/>
+                </a:solidFill>
+              </a:defRPr>
+            </a:pPr>
+            <a:r>
+              <a:rPr sz="1800">
+                <a:solidFill>
+                  <a:srgbClr val="323232"/>
+                </a:solidFill>
+              </a:rPr>
               <a:t>Key Findings</a:t>
             </a:r>
           </a:p>
@@ -3254,12 +3356,24 @@
           <a:bodyPr/>
           <a:lstStyle/>
           <a:p>
-            <a:r>
+            <a:pPr algn="l"/>
+            <a:r>
+              <a:rPr sz="1800">
+                <a:solidFill>
+                  <a:srgbClr val="323232"/>
+                </a:solidFill>
+              </a:rPr>
               <a:t>• Closing prices show a consistent upward trend.</a:t>
             </a:r>
           </a:p>
           <a:p>
-            <a:r>
+            <a:pPr algn="l"/>
+            <a:r>
+              <a:rPr sz="1800">
+                <a:solidFill>
+                  <a:srgbClr val="323232"/>
+                </a:solidFill>
+              </a:rPr>
               <a:t>• Trading volume peaked at 20,000 units.</a:t>
             </a:r>
           </a:p>
@@ -3276,6 +3390,22 @@
 <file path=ppt/slides/slide4.xml><?xml version="1.0" encoding="utf-8"?>
 <p:sld xmlns:a="http://schemas.openxmlformats.org/drawingml/2006/main" xmlns:p="http://schemas.openxmlformats.org/presentationml/2006/main" xmlns:r="http://schemas.openxmlformats.org/officeDocument/2006/relationships">
   <p:cSld>
+    <p:bg>
+      <p:bgPr>
+        <a:gradFill rotWithShape="1">
+          <a:gsLst>
+            <a:gs pos="0">
+              <a:srgbClr val="FFF2CC"/>
+            </a:gs>
+            <a:gs pos="100000">
+              <a:srgbClr val="CCE5FF"/>
+            </a:gs>
+          </a:gsLst>
+          <a:lin scaled="0"/>
+        </a:gradFill>
+        <a:effectLst/>
+      </p:bgPr>
+    </p:bg>
     <p:spTree>
       <p:nvGrpSpPr>
         <p:cNvPr id="1" name=""/>
@@ -3298,7 +3428,19 @@
           <a:bodyPr/>
           <a:lstStyle/>
           <a:p>
-            <a:r>
+            <a:pPr algn="l">
+              <a:defRPr b="1" sz="3600">
+                <a:solidFill>
+                  <a:srgbClr val="0066CC"/>
+                </a:solidFill>
+              </a:defRPr>
+            </a:pPr>
+            <a:r>
+              <a:rPr sz="1800">
+                <a:solidFill>
+                  <a:srgbClr val="323232"/>
+                </a:solidFill>
+              </a:rPr>
               <a:t>Patterns Discovered</a:t>
             </a:r>
           </a:p>
@@ -3319,12 +3461,24 @@
           <a:bodyPr/>
           <a:lstStyle/>
           <a:p>
-            <a:r>
+            <a:pPr algn="l"/>
+            <a:r>
+              <a:rPr sz="1800">
+                <a:solidFill>
+                  <a:srgbClr val="323232"/>
+                </a:solidFill>
+              </a:rPr>
               <a:t>• Stability in closing price trends.</a:t>
             </a:r>
           </a:p>
           <a:p>
-            <a:r>
+            <a:pPr algn="l"/>
+            <a:r>
+              <a:rPr sz="1800">
+                <a:solidFill>
+                  <a:srgbClr val="323232"/>
+                </a:solidFill>
+              </a:rPr>
               <a:t>• Volume spikes correlated with price increases.</a:t>
             </a:r>
           </a:p>
@@ -3341,6 +3495,22 @@
 <file path=ppt/slides/slide5.xml><?xml version="1.0" encoding="utf-8"?>
 <p:sld xmlns:a="http://schemas.openxmlformats.org/drawingml/2006/main" xmlns:p="http://schemas.openxmlformats.org/presentationml/2006/main" xmlns:r="http://schemas.openxmlformats.org/officeDocument/2006/relationships">
   <p:cSld>
+    <p:bg>
+      <p:bgPr>
+        <a:gradFill rotWithShape="1">
+          <a:gsLst>
+            <a:gs pos="0">
+              <a:srgbClr val="FFF2CC"/>
+            </a:gs>
+            <a:gs pos="100000">
+              <a:srgbClr val="CCE5FF"/>
+            </a:gs>
+          </a:gsLst>
+          <a:lin scaled="0"/>
+        </a:gradFill>
+        <a:effectLst/>
+      </p:bgPr>
+    </p:bg>
     <p:spTree>
       <p:nvGrpSpPr>
         <p:cNvPr id="1" name=""/>
@@ -3363,7 +3533,19 @@
           <a:bodyPr/>
           <a:lstStyle/>
           <a:p>
-            <a:r>
+            <a:pPr algn="l">
+              <a:defRPr b="1" sz="3600">
+                <a:solidFill>
+                  <a:srgbClr val="0066CC"/>
+                </a:solidFill>
+              </a:defRPr>
+            </a:pPr>
+            <a:r>
+              <a:rPr sz="1800">
+                <a:solidFill>
+                  <a:srgbClr val="323232"/>
+                </a:solidFill>
+              </a:rPr>
               <a:t>Challenges Encountered</a:t>
             </a:r>
           </a:p>
@@ -3384,12 +3566,24 @@
           <a:bodyPr/>
           <a:lstStyle/>
           <a:p>
-            <a:r>
+            <a:pPr algn="l"/>
+            <a:r>
+              <a:rPr sz="1800">
+                <a:solidFill>
+                  <a:srgbClr val="323232"/>
+                </a:solidFill>
+              </a:rPr>
               <a:t>• Limited data range (one week).</a:t>
             </a:r>
           </a:p>
           <a:p>
-            <a:r>
+            <a:pPr algn="l"/>
+            <a:r>
+              <a:rPr sz="1800">
+                <a:solidFill>
+                  <a:srgbClr val="323232"/>
+                </a:solidFill>
+              </a:rPr>
               <a:t>• Lack of external contextual data (e.g., news or events).</a:t>
             </a:r>
           </a:p>
@@ -3406,6 +3600,22 @@
 <file path=ppt/slides/slide6.xml><?xml version="1.0" encoding="utf-8"?>
 <p:sld xmlns:a="http://schemas.openxmlformats.org/drawingml/2006/main" xmlns:p="http://schemas.openxmlformats.org/presentationml/2006/main" xmlns:r="http://schemas.openxmlformats.org/officeDocument/2006/relationships">
   <p:cSld>
+    <p:bg>
+      <p:bgPr>
+        <a:gradFill rotWithShape="1">
+          <a:gsLst>
+            <a:gs pos="0">
+              <a:srgbClr val="FFF2CC"/>
+            </a:gs>
+            <a:gs pos="100000">
+              <a:srgbClr val="CCE5FF"/>
+            </a:gs>
+          </a:gsLst>
+          <a:lin scaled="0"/>
+        </a:gradFill>
+        <a:effectLst/>
+      </p:bgPr>
+    </p:bg>
     <p:spTree>
       <p:nvGrpSpPr>
         <p:cNvPr id="1" name=""/>
@@ -3428,7 +3638,19 @@
           <a:bodyPr/>
           <a:lstStyle/>
           <a:p>
-            <a:r>
+            <a:pPr algn="l">
+              <a:defRPr b="1" sz="3600">
+                <a:solidFill>
+                  <a:srgbClr val="0066CC"/>
+                </a:solidFill>
+              </a:defRPr>
+            </a:pPr>
+            <a:r>
+              <a:rPr sz="1800">
+                <a:solidFill>
+                  <a:srgbClr val="323232"/>
+                </a:solidFill>
+              </a:rPr>
               <a:t>Visualizations</a:t>
             </a:r>
           </a:p>
@@ -3449,12 +3671,24 @@
           <a:bodyPr/>
           <a:lstStyle/>
           <a:p>
-            <a:r>
+            <a:pPr algn="l"/>
+            <a:r>
+              <a:rPr sz="1800">
+                <a:solidFill>
+                  <a:srgbClr val="323232"/>
+                </a:solidFill>
+              </a:rPr>
               <a:t>• Graphs for Closing Prices and Volume Trends.</a:t>
             </a:r>
           </a:p>
           <a:p>
-            <a:r>
+            <a:pPr algn="l"/>
+            <a:r>
+              <a:rPr sz="1800">
+                <a:solidFill>
+                  <a:srgbClr val="323232"/>
+                </a:solidFill>
+              </a:rPr>
               <a:t>(Refer to the provided charts for detailed insights.)</a:t>
             </a:r>
           </a:p>
